--- a/PPT课件/Part6-8：DDD之领域服务与应用服务.pptx
+++ b/PPT课件/Part6-8：DDD之领域服务与应用服务.pptx
@@ -202,7 +202,7 @@
           <a:p>
             <a:fld id="{0A2FCA5F-0AB4-4B27-9880-843A32CD3FC4}" type="datetimeFigureOut">
               <a:rPr lang="zh-CN" altLang="en-US" smtClean="0"/>
-              <a:t>2022/1/11</a:t>
+              <a:t>2022/2/9</a:t>
             </a:fld>
             <a:endParaRPr lang="zh-CN" altLang="en-US"/>
           </a:p>
@@ -686,7 +686,7 @@
           <a:p>
             <a:fld id="{51EE646F-F65C-4115-9CFB-3F24605268F9}" type="datetimeFigureOut">
               <a:rPr lang="zh-CN" altLang="en-US" smtClean="0"/>
-              <a:t>2022/1/11</a:t>
+              <a:t>2022/2/9</a:t>
             </a:fld>
             <a:endParaRPr lang="zh-CN" altLang="en-US"/>
           </a:p>
@@ -973,7 +973,7 @@
           <a:p>
             <a:fld id="{51EE646F-F65C-4115-9CFB-3F24605268F9}" type="datetimeFigureOut">
               <a:rPr lang="zh-CN" altLang="en-US" smtClean="0"/>
-              <a:t>2022/1/11</a:t>
+              <a:t>2022/2/9</a:t>
             </a:fld>
             <a:endParaRPr lang="zh-CN" altLang="en-US"/>
           </a:p>
@@ -1165,7 +1165,7 @@
           <a:p>
             <a:fld id="{51EE646F-F65C-4115-9CFB-3F24605268F9}" type="datetimeFigureOut">
               <a:rPr lang="zh-CN" altLang="en-US" smtClean="0"/>
-              <a:t>2022/1/11</a:t>
+              <a:t>2022/2/9</a:t>
             </a:fld>
             <a:endParaRPr lang="zh-CN" altLang="en-US"/>
           </a:p>
@@ -1426,7 +1426,7 @@
           <a:p>
             <a:fld id="{51EE646F-F65C-4115-9CFB-3F24605268F9}" type="datetimeFigureOut">
               <a:rPr lang="zh-CN" altLang="en-US" smtClean="0"/>
-              <a:t>2022/1/11</a:t>
+              <a:t>2022/2/9</a:t>
             </a:fld>
             <a:endParaRPr lang="zh-CN" altLang="en-US"/>
           </a:p>
@@ -1850,7 +1850,7 @@
           <a:p>
             <a:fld id="{51EE646F-F65C-4115-9CFB-3F24605268F9}" type="datetimeFigureOut">
               <a:rPr lang="zh-CN" altLang="en-US" smtClean="0"/>
-              <a:t>2022/1/11</a:t>
+              <a:t>2022/2/9</a:t>
             </a:fld>
             <a:endParaRPr lang="zh-CN" altLang="en-US"/>
           </a:p>
@@ -2396,7 +2396,7 @@
           <a:p>
             <a:fld id="{51EE646F-F65C-4115-9CFB-3F24605268F9}" type="datetimeFigureOut">
               <a:rPr lang="zh-CN" altLang="en-US" smtClean="0"/>
-              <a:t>2022/1/11</a:t>
+              <a:t>2022/2/9</a:t>
             </a:fld>
             <a:endParaRPr lang="zh-CN" altLang="en-US"/>
           </a:p>
@@ -3236,7 +3236,7 @@
           <a:p>
             <a:fld id="{51EE646F-F65C-4115-9CFB-3F24605268F9}" type="datetimeFigureOut">
               <a:rPr lang="zh-CN" altLang="en-US" smtClean="0"/>
-              <a:t>2022/1/11</a:t>
+              <a:t>2022/2/9</a:t>
             </a:fld>
             <a:endParaRPr lang="zh-CN" altLang="en-US"/>
           </a:p>
@@ -3406,7 +3406,7 @@
           <a:p>
             <a:fld id="{51EE646F-F65C-4115-9CFB-3F24605268F9}" type="datetimeFigureOut">
               <a:rPr lang="zh-CN" altLang="en-US" smtClean="0"/>
-              <a:t>2022/1/11</a:t>
+              <a:t>2022/2/9</a:t>
             </a:fld>
             <a:endParaRPr lang="zh-CN" altLang="en-US"/>
           </a:p>
@@ -3590,7 +3590,7 @@
           <a:p>
             <a:fld id="{51EE646F-F65C-4115-9CFB-3F24605268F9}" type="datetimeFigureOut">
               <a:rPr lang="zh-CN" altLang="en-US" smtClean="0"/>
-              <a:t>2022/1/11</a:t>
+              <a:t>2022/2/9</a:t>
             </a:fld>
             <a:endParaRPr lang="zh-CN" altLang="en-US"/>
           </a:p>
@@ -3760,7 +3760,7 @@
           <a:p>
             <a:fld id="{51EE646F-F65C-4115-9CFB-3F24605268F9}" type="datetimeFigureOut">
               <a:rPr lang="zh-CN" altLang="en-US" smtClean="0"/>
-              <a:t>2022/1/11</a:t>
+              <a:t>2022/2/9</a:t>
             </a:fld>
             <a:endParaRPr lang="zh-CN" altLang="en-US"/>
           </a:p>
@@ -4008,7 +4008,7 @@
           <a:p>
             <a:fld id="{51EE646F-F65C-4115-9CFB-3F24605268F9}" type="datetimeFigureOut">
               <a:rPr lang="zh-CN" altLang="en-US" smtClean="0"/>
-              <a:t>2022/1/11</a:t>
+              <a:t>2022/2/9</a:t>
             </a:fld>
             <a:endParaRPr lang="zh-CN" altLang="en-US"/>
           </a:p>
@@ -4245,7 +4245,7 @@
           <a:p>
             <a:fld id="{51EE646F-F65C-4115-9CFB-3F24605268F9}" type="datetimeFigureOut">
               <a:rPr lang="zh-CN" altLang="en-US" smtClean="0"/>
-              <a:t>2022/1/11</a:t>
+              <a:t>2022/2/9</a:t>
             </a:fld>
             <a:endParaRPr lang="zh-CN" altLang="en-US"/>
           </a:p>
@@ -4618,7 +4618,7 @@
           <a:p>
             <a:fld id="{51EE646F-F65C-4115-9CFB-3F24605268F9}" type="datetimeFigureOut">
               <a:rPr lang="zh-CN" altLang="en-US" smtClean="0"/>
-              <a:t>2022/1/11</a:t>
+              <a:t>2022/2/9</a:t>
             </a:fld>
             <a:endParaRPr lang="zh-CN" altLang="en-US"/>
           </a:p>
@@ -4736,7 +4736,7 @@
           <a:p>
             <a:fld id="{51EE646F-F65C-4115-9CFB-3F24605268F9}" type="datetimeFigureOut">
               <a:rPr lang="zh-CN" altLang="en-US" smtClean="0"/>
-              <a:t>2022/1/11</a:t>
+              <a:t>2022/2/9</a:t>
             </a:fld>
             <a:endParaRPr lang="zh-CN" altLang="en-US"/>
           </a:p>
@@ -4831,7 +4831,7 @@
           <a:p>
             <a:fld id="{51EE646F-F65C-4115-9CFB-3F24605268F9}" type="datetimeFigureOut">
               <a:rPr lang="zh-CN" altLang="en-US" smtClean="0"/>
-              <a:t>2022/1/11</a:t>
+              <a:t>2022/2/9</a:t>
             </a:fld>
             <a:endParaRPr lang="zh-CN" altLang="en-US"/>
           </a:p>
@@ -5082,7 +5082,7 @@
           <a:p>
             <a:fld id="{51EE646F-F65C-4115-9CFB-3F24605268F9}" type="datetimeFigureOut">
               <a:rPr lang="zh-CN" altLang="en-US" smtClean="0"/>
-              <a:t>2022/1/11</a:t>
+              <a:t>2022/2/9</a:t>
             </a:fld>
             <a:endParaRPr lang="zh-CN" altLang="en-US"/>
           </a:p>
@@ -5369,7 +5369,7 @@
           <a:p>
             <a:fld id="{51EE646F-F65C-4115-9CFB-3F24605268F9}" type="datetimeFigureOut">
               <a:rPr lang="zh-CN" altLang="en-US" smtClean="0"/>
-              <a:t>2022/1/11</a:t>
+              <a:t>2022/2/9</a:t>
             </a:fld>
             <a:endParaRPr lang="zh-CN" altLang="en-US"/>
           </a:p>
@@ -5582,7 +5582,7 @@
           <a:p>
             <a:fld id="{51EE646F-F65C-4115-9CFB-3F24605268F9}" type="datetimeFigureOut">
               <a:rPr lang="zh-CN" altLang="en-US" smtClean="0"/>
-              <a:t>2022/1/11</a:t>
+              <a:t>2022/2/9</a:t>
             </a:fld>
             <a:endParaRPr lang="zh-CN" altLang="en-US"/>
           </a:p>
@@ -6630,6 +6630,25 @@
                 <a:ea typeface="等线" panose="02010600030101010101" pitchFamily="2" charset="-122"/>
                 <a:cs typeface="Times New Roman" panose="02020603050405020304" pitchFamily="18" charset="0"/>
               </a:rPr>
+              <a:t>以及</a:t>
+            </a:r>
+            <a:r>
+              <a:rPr lang="zh-CN" altLang="en-US" sz="3900" dirty="0">
+                <a:solidFill>
+                  <a:srgbClr val="FF0000"/>
+                </a:solidFill>
+                <a:effectLst/>
+                <a:ea typeface="等线" panose="02010600030101010101" pitchFamily="2" charset="-122"/>
+                <a:cs typeface="Times New Roman" panose="02020603050405020304" pitchFamily="18" charset="0"/>
+              </a:rPr>
+              <a:t>聚合与外部系统协作</a:t>
+            </a:r>
+            <a:r>
+              <a:rPr lang="zh-CN" altLang="en-US" sz="3900" dirty="0">
+                <a:effectLst/>
+                <a:ea typeface="等线" panose="02010600030101010101" pitchFamily="2" charset="-122"/>
+                <a:cs typeface="Times New Roman" panose="02020603050405020304" pitchFamily="18" charset="0"/>
+              </a:rPr>
               <a:t>的逻辑，我们编写应用服务（</a:t>
             </a:r>
             <a:r>
@@ -6679,7 +6698,23 @@
                 <a:ea typeface="等线" panose="02010600030101010101" pitchFamily="2" charset="-122"/>
                 <a:cs typeface="Times New Roman" panose="02020603050405020304" pitchFamily="18" charset="0"/>
               </a:rPr>
-              <a:t>、应用服务协调多个领域服务来完成一个用例。</a:t>
+              <a:t>、应用服务协调多个</a:t>
+            </a:r>
+            <a:r>
+              <a:rPr lang="zh-CN" altLang="en-US" sz="3900">
+                <a:effectLst/>
+                <a:ea typeface="等线" panose="02010600030101010101" pitchFamily="2" charset="-122"/>
+                <a:cs typeface="Times New Roman" panose="02020603050405020304" pitchFamily="18" charset="0"/>
+              </a:rPr>
+              <a:t>领域服务、外部系统来</a:t>
+            </a:r>
+            <a:r>
+              <a:rPr lang="zh-CN" altLang="en-US" sz="3900" dirty="0">
+                <a:effectLst/>
+                <a:ea typeface="等线" panose="02010600030101010101" pitchFamily="2" charset="-122"/>
+                <a:cs typeface="Times New Roman" panose="02020603050405020304" pitchFamily="18" charset="0"/>
+              </a:rPr>
+              <a:t>完成一个用例。</a:t>
             </a:r>
             <a:endParaRPr lang="en-US" altLang="zh-CN" sz="3900" dirty="0">
               <a:effectLst/>
